--- a/manual_script/GA.pptx
+++ b/manual_script/GA.pptx
@@ -104,6 +104,11 @@
       </a:defRPr>
     </a:lvl9pPr>
   </p:defaultTextStyle>
+  <p:extLst>
+    <p:ext uri="{EFAFB233-063F-42B5-8137-9DF3F51BA10A}">
+      <p15:sldGuideLst xmlns:p15="http://schemas.microsoft.com/office/powerpoint/2012/main"/>
+    </p:ext>
+  </p:extLst>
 </p:presentation>
 </file>
 
@@ -2966,16 +2971,16 @@
       </p:grpSpPr>
       <p:sp>
         <p:nvSpPr>
-          <p:cNvPr id="4" name="椭圆 3"/>
+          <p:cNvPr id="27" name="流程图: 接点 26"/>
           <p:cNvSpPr/>
           <p:nvPr/>
         </p:nvSpPr>
         <p:spPr>
           <a:xfrm>
-            <a:off x="728284" y="412694"/>
-            <a:ext cx="388417" cy="380326"/>
+            <a:off x="550258" y="639271"/>
+            <a:ext cx="283222" cy="291313"/>
           </a:xfrm>
-          <a:prstGeom prst="ellipse">
+          <a:prstGeom prst="flowChartConnector">
             <a:avLst/>
           </a:prstGeom>
         </p:spPr>
@@ -3002,77 +3007,36 @@
           </a:p>
         </p:txBody>
       </p:sp>
-      <p:sp>
-        <p:nvSpPr>
-          <p:cNvPr id="5" name="椭圆 4"/>
-          <p:cNvSpPr/>
-          <p:nvPr/>
-        </p:nvSpPr>
-        <p:spPr>
-          <a:xfrm>
-            <a:off x="3114086" y="3065533"/>
-            <a:ext cx="388417" cy="380326"/>
-          </a:xfrm>
-          <a:prstGeom prst="ellipse">
-            <a:avLst/>
-          </a:prstGeom>
-        </p:spPr>
-        <p:style>
-          <a:lnRef idx="0">
-            <a:schemeClr val="accent5"/>
-          </a:lnRef>
-          <a:fillRef idx="3">
-            <a:schemeClr val="accent5"/>
-          </a:fillRef>
-          <a:effectRef idx="3">
-            <a:schemeClr val="accent5"/>
-          </a:effectRef>
-          <a:fontRef idx="minor">
-            <a:schemeClr val="lt1"/>
-          </a:fontRef>
-        </p:style>
-        <p:txBody>
-          <a:bodyPr rtlCol="0" anchor="ctr"/>
-          <a:lstStyle/>
-          <a:p>
-            <a:pPr algn="ctr"/>
-            <a:endParaRPr lang="en-US"/>
-          </a:p>
-        </p:txBody>
-      </p:sp>
       <p:cxnSp>
         <p:nvCxnSpPr>
-          <p:cNvPr id="7" name="肘形连接符 6"/>
+          <p:cNvPr id="29" name="直接箭头连接符 28"/>
           <p:cNvCxnSpPr>
-            <a:stCxn id="4" idx="6"/>
-            <a:endCxn id="5" idx="4"/>
+            <a:stCxn id="27" idx="6"/>
+            <a:endCxn id="31" idx="2"/>
           </p:cNvCxnSpPr>
           <p:nvPr/>
         </p:nvCxnSpPr>
         <p:spPr>
           <a:xfrm>
-            <a:off x="1116701" y="602857"/>
-            <a:ext cx="2191594" cy="2843002"/>
+            <a:off x="833480" y="784928"/>
+            <a:ext cx="3393262" cy="16184"/>
           </a:xfrm>
-          <a:prstGeom prst="bentConnector4">
-            <a:avLst>
-              <a:gd name="adj1" fmla="val 45569"/>
-              <a:gd name="adj2" fmla="val 108041"/>
-            </a:avLst>
+          <a:prstGeom prst="straightConnector1">
+            <a:avLst/>
           </a:prstGeom>
           <a:ln>
             <a:tailEnd type="triangle"/>
           </a:ln>
         </p:spPr>
         <p:style>
-          <a:lnRef idx="3">
-            <a:schemeClr val="accent6"/>
+          <a:lnRef idx="1">
+            <a:schemeClr val="accent1"/>
           </a:lnRef>
           <a:fillRef idx="0">
-            <a:schemeClr val="accent6"/>
+            <a:schemeClr val="accent1"/>
           </a:fillRef>
-          <a:effectRef idx="2">
-            <a:schemeClr val="accent6"/>
+          <a:effectRef idx="0">
+            <a:schemeClr val="accent1"/>
           </a:effectRef>
           <a:fontRef idx="minor">
             <a:schemeClr val="tx1"/>
@@ -3081,16 +3045,16 @@
       </p:cxnSp>
       <p:sp>
         <p:nvSpPr>
-          <p:cNvPr id="9" name="椭圆 8"/>
+          <p:cNvPr id="31" name="流程图: 接点 30"/>
           <p:cNvSpPr/>
           <p:nvPr/>
         </p:nvSpPr>
         <p:spPr>
           <a:xfrm>
-            <a:off x="4270573" y="412694"/>
-            <a:ext cx="388417" cy="380326"/>
+            <a:off x="4226742" y="655455"/>
+            <a:ext cx="283222" cy="291313"/>
           </a:xfrm>
-          <a:prstGeom prst="ellipse">
+          <a:prstGeom prst="flowChartConnector">
             <a:avLst/>
           </a:prstGeom>
         </p:spPr>
@@ -3117,77 +3081,36 @@
           </a:p>
         </p:txBody>
       </p:sp>
-      <p:sp>
-        <p:nvSpPr>
-          <p:cNvPr id="10" name="椭圆 9"/>
-          <p:cNvSpPr/>
-          <p:nvPr/>
-        </p:nvSpPr>
-        <p:spPr>
-          <a:xfrm>
-            <a:off x="6656375" y="3065533"/>
-            <a:ext cx="388417" cy="380326"/>
-          </a:xfrm>
-          <a:prstGeom prst="ellipse">
-            <a:avLst/>
-          </a:prstGeom>
-        </p:spPr>
-        <p:style>
-          <a:lnRef idx="0">
-            <a:schemeClr val="accent5"/>
-          </a:lnRef>
-          <a:fillRef idx="3">
-            <a:schemeClr val="accent5"/>
-          </a:fillRef>
-          <a:effectRef idx="3">
-            <a:schemeClr val="accent5"/>
-          </a:effectRef>
-          <a:fontRef idx="minor">
-            <a:schemeClr val="lt1"/>
-          </a:fontRef>
-        </p:style>
-        <p:txBody>
-          <a:bodyPr rtlCol="0" anchor="ctr"/>
-          <a:lstStyle/>
-          <a:p>
-            <a:pPr algn="ctr"/>
-            <a:endParaRPr lang="en-US"/>
-          </a:p>
-        </p:txBody>
-      </p:sp>
       <p:cxnSp>
         <p:nvCxnSpPr>
-          <p:cNvPr id="11" name="肘形连接符 10"/>
+          <p:cNvPr id="34" name="直接箭头连接符 33"/>
           <p:cNvCxnSpPr>
-            <a:stCxn id="9" idx="6"/>
-            <a:endCxn id="10" idx="4"/>
+            <a:stCxn id="31" idx="4"/>
+            <a:endCxn id="35" idx="0"/>
           </p:cNvCxnSpPr>
           <p:nvPr/>
         </p:nvCxnSpPr>
         <p:spPr>
           <a:xfrm>
-            <a:off x="4658990" y="602857"/>
-            <a:ext cx="2191594" cy="2843002"/>
+            <a:off x="4368353" y="946768"/>
+            <a:ext cx="8765" cy="1067474"/>
           </a:xfrm>
-          <a:prstGeom prst="bentConnector4">
-            <a:avLst>
-              <a:gd name="adj1" fmla="val 14923"/>
-              <a:gd name="adj2" fmla="val 125973"/>
-            </a:avLst>
+          <a:prstGeom prst="straightConnector1">
+            <a:avLst/>
           </a:prstGeom>
           <a:ln>
             <a:tailEnd type="triangle"/>
           </a:ln>
         </p:spPr>
         <p:style>
-          <a:lnRef idx="3">
-            <a:schemeClr val="accent6"/>
+          <a:lnRef idx="1">
+            <a:schemeClr val="accent1"/>
           </a:lnRef>
           <a:fillRef idx="0">
-            <a:schemeClr val="accent6"/>
+            <a:schemeClr val="accent1"/>
           </a:fillRef>
-          <a:effectRef idx="2">
-            <a:schemeClr val="accent6"/>
+          <a:effectRef idx="0">
+            <a:schemeClr val="accent1"/>
           </a:effectRef>
           <a:fontRef idx="minor">
             <a:schemeClr val="tx1"/>
@@ -3196,16 +3119,16 @@
       </p:cxnSp>
       <p:sp>
         <p:nvSpPr>
-          <p:cNvPr id="14" name="椭圆 13"/>
+          <p:cNvPr id="35" name="流程图: 接点 34"/>
           <p:cNvSpPr/>
           <p:nvPr/>
         </p:nvSpPr>
         <p:spPr>
           <a:xfrm>
-            <a:off x="7812862" y="412694"/>
-            <a:ext cx="388417" cy="380326"/>
+            <a:off x="4235507" y="2014242"/>
+            <a:ext cx="283222" cy="291313"/>
           </a:xfrm>
-          <a:prstGeom prst="ellipse">
+          <a:prstGeom prst="flowChartConnector">
             <a:avLst/>
           </a:prstGeom>
         </p:spPr>
@@ -3234,28 +3157,28 @@
       </p:sp>
       <p:sp>
         <p:nvSpPr>
-          <p:cNvPr id="15" name="椭圆 14"/>
+          <p:cNvPr id="36" name="流程图: 接点 35"/>
           <p:cNvSpPr/>
           <p:nvPr/>
         </p:nvSpPr>
         <p:spPr>
           <a:xfrm>
-            <a:off x="10198664" y="3065533"/>
-            <a:ext cx="388417" cy="380326"/>
+            <a:off x="2548993" y="3097901"/>
+            <a:ext cx="283222" cy="291313"/>
           </a:xfrm>
-          <a:prstGeom prst="ellipse">
+          <a:prstGeom prst="flowChartConnector">
             <a:avLst/>
           </a:prstGeom>
         </p:spPr>
         <p:style>
           <a:lnRef idx="0">
-            <a:schemeClr val="accent5"/>
+            <a:schemeClr val="accent6"/>
           </a:lnRef>
           <a:fillRef idx="3">
-            <a:schemeClr val="accent5"/>
+            <a:schemeClr val="accent6"/>
           </a:fillRef>
           <a:effectRef idx="3">
-            <a:schemeClr val="accent5"/>
+            <a:schemeClr val="accent6"/>
           </a:effectRef>
           <a:fontRef idx="minor">
             <a:schemeClr val="lt1"/>
@@ -3272,37 +3195,182 @@
       </p:sp>
       <p:cxnSp>
         <p:nvCxnSpPr>
-          <p:cNvPr id="16" name="肘形连接符 15"/>
+          <p:cNvPr id="37" name="直接箭头连接符 36"/>
           <p:cNvCxnSpPr>
-            <a:stCxn id="14" idx="6"/>
-            <a:endCxn id="15" idx="4"/>
+            <a:stCxn id="36" idx="6"/>
+            <a:endCxn id="38" idx="2"/>
           </p:cNvCxnSpPr>
           <p:nvPr/>
         </p:nvCxnSpPr>
         <p:spPr>
-          <a:xfrm>
-            <a:off x="8201279" y="602857"/>
-            <a:ext cx="2191594" cy="2843002"/>
+          <a:xfrm flipV="1">
+            <a:off x="2832215" y="3243557"/>
+            <a:ext cx="1608964" cy="1"/>
           </a:xfrm>
-          <a:prstGeom prst="bentConnector4">
-            <a:avLst>
-              <a:gd name="adj1" fmla="val 17138"/>
-              <a:gd name="adj2" fmla="val 125973"/>
-            </a:avLst>
+          <a:prstGeom prst="straightConnector1">
+            <a:avLst/>
           </a:prstGeom>
           <a:ln>
             <a:tailEnd type="triangle"/>
           </a:ln>
         </p:spPr>
         <p:style>
-          <a:lnRef idx="3">
+          <a:lnRef idx="1">
+            <a:schemeClr val="accent1"/>
+          </a:lnRef>
+          <a:fillRef idx="0">
+            <a:schemeClr val="accent1"/>
+          </a:fillRef>
+          <a:effectRef idx="0">
+            <a:schemeClr val="accent1"/>
+          </a:effectRef>
+          <a:fontRef idx="minor">
+            <a:schemeClr val="tx1"/>
+          </a:fontRef>
+        </p:style>
+      </p:cxnSp>
+      <p:sp>
+        <p:nvSpPr>
+          <p:cNvPr id="38" name="流程图: 接点 37"/>
+          <p:cNvSpPr/>
+          <p:nvPr/>
+        </p:nvSpPr>
+        <p:spPr>
+          <a:xfrm>
+            <a:off x="4441179" y="3097900"/>
+            <a:ext cx="283222" cy="291313"/>
+          </a:xfrm>
+          <a:prstGeom prst="flowChartConnector">
+            <a:avLst/>
+          </a:prstGeom>
+        </p:spPr>
+        <p:style>
+          <a:lnRef idx="0">
             <a:schemeClr val="accent6"/>
           </a:lnRef>
-          <a:fillRef idx="0">
+          <a:fillRef idx="3">
             <a:schemeClr val="accent6"/>
           </a:fillRef>
-          <a:effectRef idx="2">
+          <a:effectRef idx="3">
             <a:schemeClr val="accent6"/>
+          </a:effectRef>
+          <a:fontRef idx="minor">
+            <a:schemeClr val="lt1"/>
+          </a:fontRef>
+        </p:style>
+        <p:txBody>
+          <a:bodyPr rtlCol="0" anchor="ctr"/>
+          <a:lstStyle/>
+          <a:p>
+            <a:pPr algn="ctr"/>
+            <a:endParaRPr lang="en-US"/>
+          </a:p>
+        </p:txBody>
+      </p:sp>
+      <p:sp>
+        <p:nvSpPr>
+          <p:cNvPr id="43" name="流程图: 接点 42"/>
+          <p:cNvSpPr/>
+          <p:nvPr/>
+        </p:nvSpPr>
+        <p:spPr>
+          <a:xfrm>
+            <a:off x="2548993" y="2014243"/>
+            <a:ext cx="283222" cy="291313"/>
+          </a:xfrm>
+          <a:prstGeom prst="flowChartConnector">
+            <a:avLst/>
+          </a:prstGeom>
+        </p:spPr>
+        <p:style>
+          <a:lnRef idx="0">
+            <a:schemeClr val="accent6"/>
+          </a:lnRef>
+          <a:fillRef idx="3">
+            <a:schemeClr val="accent6"/>
+          </a:fillRef>
+          <a:effectRef idx="3">
+            <a:schemeClr val="accent6"/>
+          </a:effectRef>
+          <a:fontRef idx="minor">
+            <a:schemeClr val="lt1"/>
+          </a:fontRef>
+        </p:style>
+        <p:txBody>
+          <a:bodyPr rtlCol="0" anchor="ctr"/>
+          <a:lstStyle/>
+          <a:p>
+            <a:pPr algn="ctr"/>
+            <a:endParaRPr lang="en-US"/>
+          </a:p>
+        </p:txBody>
+      </p:sp>
+      <p:cxnSp>
+        <p:nvCxnSpPr>
+          <p:cNvPr id="44" name="直接箭头连接符 43"/>
+          <p:cNvCxnSpPr>
+            <a:stCxn id="35" idx="2"/>
+            <a:endCxn id="43" idx="6"/>
+          </p:cNvCxnSpPr>
+          <p:nvPr/>
+        </p:nvCxnSpPr>
+        <p:spPr>
+          <a:xfrm flipH="1">
+            <a:off x="2832215" y="2159899"/>
+            <a:ext cx="1403292" cy="1"/>
+          </a:xfrm>
+          <a:prstGeom prst="straightConnector1">
+            <a:avLst/>
+          </a:prstGeom>
+          <a:ln>
+            <a:tailEnd type="triangle"/>
+          </a:ln>
+        </p:spPr>
+        <p:style>
+          <a:lnRef idx="1">
+            <a:schemeClr val="accent1"/>
+          </a:lnRef>
+          <a:fillRef idx="0">
+            <a:schemeClr val="accent1"/>
+          </a:fillRef>
+          <a:effectRef idx="0">
+            <a:schemeClr val="accent1"/>
+          </a:effectRef>
+          <a:fontRef idx="minor">
+            <a:schemeClr val="tx1"/>
+          </a:fontRef>
+        </p:style>
+      </p:cxnSp>
+      <p:cxnSp>
+        <p:nvCxnSpPr>
+          <p:cNvPr id="47" name="直接箭头连接符 46"/>
+          <p:cNvCxnSpPr>
+            <a:stCxn id="43" idx="4"/>
+            <a:endCxn id="36" idx="0"/>
+          </p:cNvCxnSpPr>
+          <p:nvPr/>
+        </p:nvCxnSpPr>
+        <p:spPr>
+          <a:xfrm>
+            <a:off x="2690604" y="2305556"/>
+            <a:ext cx="0" cy="792345"/>
+          </a:xfrm>
+          <a:prstGeom prst="straightConnector1">
+            <a:avLst/>
+          </a:prstGeom>
+          <a:ln>
+            <a:tailEnd type="triangle"/>
+          </a:ln>
+        </p:spPr>
+        <p:style>
+          <a:lnRef idx="1">
+            <a:schemeClr val="accent1"/>
+          </a:lnRef>
+          <a:fillRef idx="0">
+            <a:schemeClr val="accent1"/>
+          </a:fillRef>
+          <a:effectRef idx="0">
+            <a:schemeClr val="accent1"/>
           </a:effectRef>
           <a:fontRef idx="minor">
             <a:schemeClr val="tx1"/>
